--- a/zkdoc/styleguide/components/grid-jumper.pptx
+++ b/zkdoc/styleguide/components/grid-jumper.pptx
@@ -195,7 +195,7 @@
             <a:fld id="{58DB5118-5A2F-45FB-91B4-3C1B1F00FC1B}" type="datetimeFigureOut">
               <a:rPr lang="en-US" smtClean="0"/>
               <a:pPr/>
-              <a:t>4/11/2008</a:t>
+              <a:t>4/30/2008</a:t>
             </a:fld>
             <a:endParaRPr lang="en-US" dirty="0"/>
           </a:p>
@@ -725,7 +725,7 @@
             <a:fld id="{5F790AB9-8C3F-4647-A757-E0E99A6A2D61}" type="datetimeFigureOut">
               <a:rPr lang="en-US" smtClean="0"/>
               <a:pPr/>
-              <a:t>4/11/2008</a:t>
+              <a:t>4/30/2008</a:t>
             </a:fld>
             <a:endParaRPr lang="en-US" dirty="0"/>
           </a:p>
@@ -892,7 +892,7 @@
             <a:fld id="{5F790AB9-8C3F-4647-A757-E0E99A6A2D61}" type="datetimeFigureOut">
               <a:rPr lang="en-US" smtClean="0"/>
               <a:pPr/>
-              <a:t>4/11/2008</a:t>
+              <a:t>4/30/2008</a:t>
             </a:fld>
             <a:endParaRPr lang="en-US" dirty="0"/>
           </a:p>
@@ -1069,7 +1069,7 @@
             <a:fld id="{5F790AB9-8C3F-4647-A757-E0E99A6A2D61}" type="datetimeFigureOut">
               <a:rPr lang="en-US" smtClean="0"/>
               <a:pPr/>
-              <a:t>4/11/2008</a:t>
+              <a:t>4/30/2008</a:t>
             </a:fld>
             <a:endParaRPr lang="en-US" dirty="0"/>
           </a:p>
@@ -1236,7 +1236,7 @@
             <a:fld id="{5F790AB9-8C3F-4647-A757-E0E99A6A2D61}" type="datetimeFigureOut">
               <a:rPr lang="en-US" smtClean="0"/>
               <a:pPr/>
-              <a:t>4/11/2008</a:t>
+              <a:t>4/30/2008</a:t>
             </a:fld>
             <a:endParaRPr lang="en-US" dirty="0"/>
           </a:p>
@@ -1479,7 +1479,7 @@
             <a:fld id="{5F790AB9-8C3F-4647-A757-E0E99A6A2D61}" type="datetimeFigureOut">
               <a:rPr lang="en-US" smtClean="0"/>
               <a:pPr/>
-              <a:t>4/11/2008</a:t>
+              <a:t>4/30/2008</a:t>
             </a:fld>
             <a:endParaRPr lang="en-US" dirty="0"/>
           </a:p>
@@ -1764,7 +1764,7 @@
             <a:fld id="{5F790AB9-8C3F-4647-A757-E0E99A6A2D61}" type="datetimeFigureOut">
               <a:rPr lang="en-US" smtClean="0"/>
               <a:pPr/>
-              <a:t>4/11/2008</a:t>
+              <a:t>4/30/2008</a:t>
             </a:fld>
             <a:endParaRPr lang="en-US" dirty="0"/>
           </a:p>
@@ -2183,7 +2183,7 @@
             <a:fld id="{5F790AB9-8C3F-4647-A757-E0E99A6A2D61}" type="datetimeFigureOut">
               <a:rPr lang="en-US" smtClean="0"/>
               <a:pPr/>
-              <a:t>4/11/2008</a:t>
+              <a:t>4/30/2008</a:t>
             </a:fld>
             <a:endParaRPr lang="en-US" dirty="0"/>
           </a:p>
@@ -2298,7 +2298,7 @@
             <a:fld id="{5F790AB9-8C3F-4647-A757-E0E99A6A2D61}" type="datetimeFigureOut">
               <a:rPr lang="en-US" smtClean="0"/>
               <a:pPr/>
-              <a:t>4/11/2008</a:t>
+              <a:t>4/30/2008</a:t>
             </a:fld>
             <a:endParaRPr lang="en-US" dirty="0"/>
           </a:p>
@@ -2390,7 +2390,7 @@
             <a:fld id="{5F790AB9-8C3F-4647-A757-E0E99A6A2D61}" type="datetimeFigureOut">
               <a:rPr lang="en-US" smtClean="0"/>
               <a:pPr/>
-              <a:t>4/11/2008</a:t>
+              <a:t>4/30/2008</a:t>
             </a:fld>
             <a:endParaRPr lang="en-US" dirty="0"/>
           </a:p>
@@ -2664,7 +2664,7 @@
             <a:fld id="{5F790AB9-8C3F-4647-A757-E0E99A6A2D61}" type="datetimeFigureOut">
               <a:rPr lang="en-US" smtClean="0"/>
               <a:pPr/>
-              <a:t>4/11/2008</a:t>
+              <a:t>4/30/2008</a:t>
             </a:fld>
             <a:endParaRPr lang="en-US" dirty="0"/>
           </a:p>
@@ -2914,7 +2914,7 @@
             <a:fld id="{5F790AB9-8C3F-4647-A757-E0E99A6A2D61}" type="datetimeFigureOut">
               <a:rPr lang="en-US" smtClean="0"/>
               <a:pPr/>
-              <a:t>4/11/2008</a:t>
+              <a:t>4/30/2008</a:t>
             </a:fld>
             <a:endParaRPr lang="en-US" dirty="0"/>
           </a:p>
@@ -3124,7 +3124,7 @@
             <a:fld id="{5F790AB9-8C3F-4647-A757-E0E99A6A2D61}" type="datetimeFigureOut">
               <a:rPr lang="en-US" smtClean="0"/>
               <a:pPr/>
-              <a:t>4/11/2008</a:t>
+              <a:t>4/30/2008</a:t>
             </a:fld>
             <a:endParaRPr lang="en-US" dirty="0"/>
           </a:p>
@@ -3863,11 +3863,7 @@
             <a:pPr algn="ctr"/>
             <a:r>
               <a:rPr lang="en-US" altLang="zh-TW" smtClean="0"/>
-              <a:t>div.grid-head </a:t>
-            </a:r>
-            <a:r>
-              <a:rPr lang="en-US" altLang="zh-TW" smtClean="0"/>
-              <a:t>th</a:t>
+              <a:t>div.grid-head th</a:t>
             </a:r>
             <a:endParaRPr lang="en-US" dirty="0"/>
           </a:p>
@@ -4410,11 +4406,7 @@
             <a:pPr algn="ctr"/>
             <a:r>
               <a:rPr lang="en-US" smtClean="0"/>
-              <a:t>table</a:t>
-            </a:r>
-            <a:r>
-              <a:rPr lang="en-US" smtClean="0"/>
-              <a:t>. grid-btable</a:t>
+              <a:t>table. grid-btable</a:t>
             </a:r>
             <a:endParaRPr lang="en-US" dirty="0"/>
           </a:p>
@@ -5011,6 +5003,445 @@
           <a:xfrm rot="5400000" flipH="1" flipV="1">
             <a:off x="1790700" y="2171700"/>
             <a:ext cx="228600" cy="1588"/>
+          </a:xfrm>
+          <a:prstGeom prst="line">
+            <a:avLst/>
+          </a:prstGeom>
+        </p:spPr>
+        <p:style>
+          <a:lnRef idx="2">
+            <a:schemeClr val="accent1"/>
+          </a:lnRef>
+          <a:fillRef idx="0">
+            <a:schemeClr val="accent1"/>
+          </a:fillRef>
+          <a:effectRef idx="1">
+            <a:schemeClr val="accent1"/>
+          </a:effectRef>
+          <a:fontRef idx="minor">
+            <a:schemeClr val="tx1"/>
+          </a:fontRef>
+        </p:style>
+      </p:cxnSp>
+      <p:pic>
+        <p:nvPicPr>
+          <p:cNvPr id="1026" name="Picture 2"/>
+          <p:cNvPicPr>
+            <a:picLocks noChangeAspect="1" noChangeArrowheads="1"/>
+          </p:cNvPicPr>
+          <p:nvPr/>
+        </p:nvPicPr>
+        <p:blipFill>
+          <a:blip r:embed="rId3"/>
+          <a:srcRect/>
+          <a:stretch>
+            <a:fillRect/>
+          </a:stretch>
+        </p:blipFill>
+        <p:spPr bwMode="auto">
+          <a:xfrm>
+            <a:off x="457200" y="3962400"/>
+            <a:ext cx="7549801" cy="281709"/>
+          </a:xfrm>
+          <a:prstGeom prst="rect">
+            <a:avLst/>
+          </a:prstGeom>
+          <a:noFill/>
+          <a:ln w="9525">
+            <a:noFill/>
+            <a:miter lim="800000"/>
+            <a:headEnd/>
+            <a:tailEnd/>
+          </a:ln>
+          <a:effectLst/>
+        </p:spPr>
+      </p:pic>
+      <p:sp>
+        <p:nvSpPr>
+          <p:cNvPr id="10" name="Rectangle 9"/>
+          <p:cNvSpPr/>
+          <p:nvPr/>
+        </p:nvSpPr>
+        <p:spPr>
+          <a:xfrm>
+            <a:off x="381000" y="3886200"/>
+            <a:ext cx="7696200" cy="457200"/>
+          </a:xfrm>
+          <a:prstGeom prst="rect">
+            <a:avLst/>
+          </a:prstGeom>
+          <a:noFill/>
+        </p:spPr>
+        <p:style>
+          <a:lnRef idx="2">
+            <a:schemeClr val="accent2"/>
+          </a:lnRef>
+          <a:fillRef idx="1">
+            <a:schemeClr val="lt1"/>
+          </a:fillRef>
+          <a:effectRef idx="0">
+            <a:schemeClr val="accent2"/>
+          </a:effectRef>
+          <a:fontRef idx="minor">
+            <a:schemeClr val="dk1"/>
+          </a:fontRef>
+        </p:style>
+        <p:txBody>
+          <a:bodyPr rtlCol="0" anchor="ctr"/>
+          <a:lstStyle/>
+          <a:p>
+            <a:pPr algn="ctr"/>
+            <a:endParaRPr lang="en-US" dirty="0"/>
+          </a:p>
+        </p:txBody>
+      </p:sp>
+      <p:sp>
+        <p:nvSpPr>
+          <p:cNvPr id="11" name="Rectangle 10"/>
+          <p:cNvSpPr/>
+          <p:nvPr/>
+        </p:nvSpPr>
+        <p:spPr>
+          <a:xfrm>
+            <a:off x="457200" y="3962400"/>
+            <a:ext cx="7543800" cy="304800"/>
+          </a:xfrm>
+          <a:prstGeom prst="rect">
+            <a:avLst/>
+          </a:prstGeom>
+          <a:noFill/>
+        </p:spPr>
+        <p:style>
+          <a:lnRef idx="2">
+            <a:schemeClr val="accent2"/>
+          </a:lnRef>
+          <a:fillRef idx="1">
+            <a:schemeClr val="lt1"/>
+          </a:fillRef>
+          <a:effectRef idx="0">
+            <a:schemeClr val="accent2"/>
+          </a:effectRef>
+          <a:fontRef idx="minor">
+            <a:schemeClr val="dk1"/>
+          </a:fontRef>
+        </p:style>
+        <p:txBody>
+          <a:bodyPr rtlCol="0" anchor="ctr"/>
+          <a:lstStyle/>
+          <a:p>
+            <a:pPr algn="ctr"/>
+            <a:endParaRPr lang="en-US" dirty="0"/>
+          </a:p>
+        </p:txBody>
+      </p:sp>
+      <p:sp>
+        <p:nvSpPr>
+          <p:cNvPr id="12" name="Rectangle 11"/>
+          <p:cNvSpPr/>
+          <p:nvPr/>
+        </p:nvSpPr>
+        <p:spPr>
+          <a:xfrm>
+            <a:off x="1066800" y="3429000"/>
+            <a:ext cx="1371600" cy="304800"/>
+          </a:xfrm>
+          <a:prstGeom prst="rect">
+            <a:avLst/>
+          </a:prstGeom>
+        </p:spPr>
+        <p:style>
+          <a:lnRef idx="2">
+            <a:schemeClr val="accent1"/>
+          </a:lnRef>
+          <a:fillRef idx="1">
+            <a:schemeClr val="lt1"/>
+          </a:fillRef>
+          <a:effectRef idx="0">
+            <a:schemeClr val="accent1"/>
+          </a:effectRef>
+          <a:fontRef idx="minor">
+            <a:schemeClr val="dk1"/>
+          </a:fontRef>
+        </p:style>
+        <p:txBody>
+          <a:bodyPr rtlCol="0" anchor="ctr"/>
+          <a:lstStyle/>
+          <a:p>
+            <a:pPr algn="ctr"/>
+            <a:r>
+              <a:rPr lang="en-US" smtClean="0"/>
+              <a:t>div. grid-pgi</a:t>
+            </a:r>
+            <a:endParaRPr lang="en-US" dirty="0"/>
+          </a:p>
+        </p:txBody>
+      </p:sp>
+      <p:cxnSp>
+        <p:nvCxnSpPr>
+          <p:cNvPr id="13" name="Straight Connector 12"/>
+          <p:cNvCxnSpPr/>
+          <p:nvPr/>
+        </p:nvCxnSpPr>
+        <p:spPr>
+          <a:xfrm rot="5400000" flipH="1" flipV="1">
+            <a:off x="1448197" y="3809603"/>
+            <a:ext cx="152400" cy="794"/>
+          </a:xfrm>
+          <a:prstGeom prst="line">
+            <a:avLst/>
+          </a:prstGeom>
+        </p:spPr>
+        <p:style>
+          <a:lnRef idx="2">
+            <a:schemeClr val="accent1"/>
+          </a:lnRef>
+          <a:fillRef idx="0">
+            <a:schemeClr val="accent1"/>
+          </a:fillRef>
+          <a:effectRef idx="1">
+            <a:schemeClr val="accent1"/>
+          </a:effectRef>
+          <a:fontRef idx="minor">
+            <a:schemeClr val="tx1"/>
+          </a:fontRef>
+        </p:style>
+      </p:cxnSp>
+      <p:cxnSp>
+        <p:nvCxnSpPr>
+          <p:cNvPr id="15" name="Straight Connector 14"/>
+          <p:cNvCxnSpPr/>
+          <p:nvPr/>
+        </p:nvCxnSpPr>
+        <p:spPr>
+          <a:xfrm rot="5400000" flipH="1" flipV="1">
+            <a:off x="3847702" y="3847703"/>
+            <a:ext cx="228600" cy="795"/>
+          </a:xfrm>
+          <a:prstGeom prst="line">
+            <a:avLst/>
+          </a:prstGeom>
+        </p:spPr>
+        <p:style>
+          <a:lnRef idx="2">
+            <a:schemeClr val="accent1"/>
+          </a:lnRef>
+          <a:fillRef idx="0">
+            <a:schemeClr val="accent1"/>
+          </a:fillRef>
+          <a:effectRef idx="1">
+            <a:schemeClr val="accent1"/>
+          </a:effectRef>
+          <a:fontRef idx="minor">
+            <a:schemeClr val="tx1"/>
+          </a:fontRef>
+        </p:style>
+      </p:cxnSp>
+      <p:sp>
+        <p:nvSpPr>
+          <p:cNvPr id="20" name="Rectangle 19"/>
+          <p:cNvSpPr/>
+          <p:nvPr/>
+        </p:nvSpPr>
+        <p:spPr>
+          <a:xfrm>
+            <a:off x="3276600" y="3429000"/>
+            <a:ext cx="1371600" cy="304800"/>
+          </a:xfrm>
+          <a:prstGeom prst="rect">
+            <a:avLst/>
+          </a:prstGeom>
+        </p:spPr>
+        <p:style>
+          <a:lnRef idx="2">
+            <a:schemeClr val="accent1"/>
+          </a:lnRef>
+          <a:fillRef idx="1">
+            <a:schemeClr val="lt1"/>
+          </a:fillRef>
+          <a:effectRef idx="0">
+            <a:schemeClr val="accent1"/>
+          </a:effectRef>
+          <a:fontRef idx="minor">
+            <a:schemeClr val="dk1"/>
+          </a:fontRef>
+        </p:style>
+        <p:txBody>
+          <a:bodyPr rtlCol="0" anchor="ctr"/>
+          <a:lstStyle/>
+          <a:p>
+            <a:pPr algn="ctr"/>
+            <a:r>
+              <a:rPr lang="en-US" smtClean="0"/>
+              <a:t>div</a:t>
+            </a:r>
+            <a:r>
+              <a:rPr lang="en-US" smtClean="0"/>
+              <a:t>. </a:t>
+            </a:r>
+            <a:r>
+              <a:rPr lang="en-US" smtClean="0"/>
+              <a:t>paging</a:t>
+            </a:r>
+            <a:endParaRPr lang="en-US" dirty="0"/>
+          </a:p>
+        </p:txBody>
+      </p:sp>
+      <p:sp>
+        <p:nvSpPr>
+          <p:cNvPr id="22" name="Rectangle 21"/>
+          <p:cNvSpPr/>
+          <p:nvPr/>
+        </p:nvSpPr>
+        <p:spPr>
+          <a:xfrm>
+            <a:off x="457200" y="4495800"/>
+            <a:ext cx="914400" cy="304800"/>
+          </a:xfrm>
+          <a:prstGeom prst="rect">
+            <a:avLst/>
+          </a:prstGeom>
+        </p:spPr>
+        <p:style>
+          <a:lnRef idx="2">
+            <a:schemeClr val="accent1"/>
+          </a:lnRef>
+          <a:fillRef idx="1">
+            <a:schemeClr val="lt1"/>
+          </a:fillRef>
+          <a:effectRef idx="0">
+            <a:schemeClr val="accent1"/>
+          </a:effectRef>
+          <a:fontRef idx="minor">
+            <a:schemeClr val="dk1"/>
+          </a:fontRef>
+        </p:style>
+        <p:txBody>
+          <a:bodyPr rtlCol="0" anchor="ctr"/>
+          <a:lstStyle/>
+          <a:p>
+            <a:pPr algn="ctr"/>
+            <a:r>
+              <a:rPr lang="en-US" smtClean="0"/>
+              <a:t>a</a:t>
+            </a:r>
+            <a:endParaRPr lang="en-US" dirty="0"/>
+          </a:p>
+        </p:txBody>
+      </p:sp>
+      <p:cxnSp>
+        <p:nvCxnSpPr>
+          <p:cNvPr id="23" name="Straight Connector 22"/>
+          <p:cNvCxnSpPr/>
+          <p:nvPr/>
+        </p:nvCxnSpPr>
+        <p:spPr>
+          <a:xfrm rot="16200000" flipV="1">
+            <a:off x="571500" y="4152900"/>
+            <a:ext cx="381000" cy="304800"/>
+          </a:xfrm>
+          <a:prstGeom prst="line">
+            <a:avLst/>
+          </a:prstGeom>
+        </p:spPr>
+        <p:style>
+          <a:lnRef idx="2">
+            <a:schemeClr val="accent1"/>
+          </a:lnRef>
+          <a:fillRef idx="0">
+            <a:schemeClr val="accent1"/>
+          </a:fillRef>
+          <a:effectRef idx="1">
+            <a:schemeClr val="accent1"/>
+          </a:effectRef>
+          <a:fontRef idx="minor">
+            <a:schemeClr val="tx1"/>
+          </a:fontRef>
+        </p:style>
+      </p:cxnSp>
+      <p:cxnSp>
+        <p:nvCxnSpPr>
+          <p:cNvPr id="26" name="Straight Connector 25"/>
+          <p:cNvCxnSpPr>
+            <a:stCxn id="22" idx="0"/>
+          </p:cNvCxnSpPr>
+          <p:nvPr/>
+        </p:nvCxnSpPr>
+        <p:spPr>
+          <a:xfrm rot="5400000" flipH="1" flipV="1">
+            <a:off x="838200" y="4267200"/>
+            <a:ext cx="304800" cy="152400"/>
+          </a:xfrm>
+          <a:prstGeom prst="line">
+            <a:avLst/>
+          </a:prstGeom>
+        </p:spPr>
+        <p:style>
+          <a:lnRef idx="2">
+            <a:schemeClr val="accent1"/>
+          </a:lnRef>
+          <a:fillRef idx="0">
+            <a:schemeClr val="accent1"/>
+          </a:fillRef>
+          <a:effectRef idx="1">
+            <a:schemeClr val="accent1"/>
+          </a:effectRef>
+          <a:fontRef idx="minor">
+            <a:schemeClr val="tx1"/>
+          </a:fontRef>
+        </p:style>
+      </p:cxnSp>
+      <p:sp>
+        <p:nvSpPr>
+          <p:cNvPr id="30" name="Rectangle 29"/>
+          <p:cNvSpPr/>
+          <p:nvPr/>
+        </p:nvSpPr>
+        <p:spPr>
+          <a:xfrm>
+            <a:off x="1905000" y="4495800"/>
+            <a:ext cx="914400" cy="304800"/>
+          </a:xfrm>
+          <a:prstGeom prst="rect">
+            <a:avLst/>
+          </a:prstGeom>
+        </p:spPr>
+        <p:style>
+          <a:lnRef idx="2">
+            <a:schemeClr val="accent1"/>
+          </a:lnRef>
+          <a:fillRef idx="1">
+            <a:schemeClr val="lt1"/>
+          </a:fillRef>
+          <a:effectRef idx="0">
+            <a:schemeClr val="accent1"/>
+          </a:effectRef>
+          <a:fontRef idx="minor">
+            <a:schemeClr val="dk1"/>
+          </a:fontRef>
+        </p:style>
+        <p:txBody>
+          <a:bodyPr rtlCol="0" anchor="ctr"/>
+          <a:lstStyle/>
+          <a:p>
+            <a:pPr algn="ctr"/>
+            <a:r>
+              <a:rPr lang="en-US" smtClean="0"/>
+              <a:t>span</a:t>
+            </a:r>
+            <a:endParaRPr lang="en-US" dirty="0"/>
+          </a:p>
+        </p:txBody>
+      </p:sp>
+      <p:cxnSp>
+        <p:nvCxnSpPr>
+          <p:cNvPr id="31" name="Straight Connector 30"/>
+          <p:cNvCxnSpPr/>
+          <p:nvPr/>
+        </p:nvCxnSpPr>
+        <p:spPr>
+          <a:xfrm rot="16200000" flipV="1">
+            <a:off x="1638300" y="4152900"/>
+            <a:ext cx="381000" cy="304800"/>
           </a:xfrm>
           <a:prstGeom prst="line">
             <a:avLst/>
